--- a/2des/indmo/aula03_react/RevisaoReactNative.pptx
+++ b/2des/indmo/aula03_react/RevisaoReactNative.pptx
@@ -270,7 +270,7 @@
           <a:p>
             <a:fld id="{375B8144-D52B-439C-834A-619B4A0ACDB6}" type="datetimeFigureOut">
               <a:rPr lang="pt-BR" smtClean="0"/>
-              <a:t>10/12/2021</a:t>
+              <a:t>13/12/2021</a:t>
             </a:fld>
             <a:endParaRPr lang="pt-BR"/>
           </a:p>
@@ -468,7 +468,7 @@
           <a:p>
             <a:fld id="{375B8144-D52B-439C-834A-619B4A0ACDB6}" type="datetimeFigureOut">
               <a:rPr lang="pt-BR" smtClean="0"/>
-              <a:t>10/12/2021</a:t>
+              <a:t>13/12/2021</a:t>
             </a:fld>
             <a:endParaRPr lang="pt-BR"/>
           </a:p>
@@ -676,7 +676,7 @@
           <a:p>
             <a:fld id="{375B8144-D52B-439C-834A-619B4A0ACDB6}" type="datetimeFigureOut">
               <a:rPr lang="pt-BR" smtClean="0"/>
-              <a:t>10/12/2021</a:t>
+              <a:t>13/12/2021</a:t>
             </a:fld>
             <a:endParaRPr lang="pt-BR"/>
           </a:p>
@@ -874,7 +874,7 @@
           <a:p>
             <a:fld id="{375B8144-D52B-439C-834A-619B4A0ACDB6}" type="datetimeFigureOut">
               <a:rPr lang="pt-BR" smtClean="0"/>
-              <a:t>10/12/2021</a:t>
+              <a:t>13/12/2021</a:t>
             </a:fld>
             <a:endParaRPr lang="pt-BR"/>
           </a:p>
@@ -1149,7 +1149,7 @@
           <a:p>
             <a:fld id="{375B8144-D52B-439C-834A-619B4A0ACDB6}" type="datetimeFigureOut">
               <a:rPr lang="pt-BR" smtClean="0"/>
-              <a:t>10/12/2021</a:t>
+              <a:t>13/12/2021</a:t>
             </a:fld>
             <a:endParaRPr lang="pt-BR"/>
           </a:p>
@@ -1414,7 +1414,7 @@
           <a:p>
             <a:fld id="{375B8144-D52B-439C-834A-619B4A0ACDB6}" type="datetimeFigureOut">
               <a:rPr lang="pt-BR" smtClean="0"/>
-              <a:t>10/12/2021</a:t>
+              <a:t>13/12/2021</a:t>
             </a:fld>
             <a:endParaRPr lang="pt-BR"/>
           </a:p>
@@ -1826,7 +1826,7 @@
           <a:p>
             <a:fld id="{375B8144-D52B-439C-834A-619B4A0ACDB6}" type="datetimeFigureOut">
               <a:rPr lang="pt-BR" smtClean="0"/>
-              <a:t>10/12/2021</a:t>
+              <a:t>13/12/2021</a:t>
             </a:fld>
             <a:endParaRPr lang="pt-BR"/>
           </a:p>
@@ -1967,7 +1967,7 @@
           <a:p>
             <a:fld id="{375B8144-D52B-439C-834A-619B4A0ACDB6}" type="datetimeFigureOut">
               <a:rPr lang="pt-BR" smtClean="0"/>
-              <a:t>10/12/2021</a:t>
+              <a:t>13/12/2021</a:t>
             </a:fld>
             <a:endParaRPr lang="pt-BR"/>
           </a:p>
@@ -2080,7 +2080,7 @@
           <a:p>
             <a:fld id="{375B8144-D52B-439C-834A-619B4A0ACDB6}" type="datetimeFigureOut">
               <a:rPr lang="pt-BR" smtClean="0"/>
-              <a:t>10/12/2021</a:t>
+              <a:t>13/12/2021</a:t>
             </a:fld>
             <a:endParaRPr lang="pt-BR"/>
           </a:p>
@@ -2391,7 +2391,7 @@
           <a:p>
             <a:fld id="{375B8144-D52B-439C-834A-619B4A0ACDB6}" type="datetimeFigureOut">
               <a:rPr lang="pt-BR" smtClean="0"/>
-              <a:t>10/12/2021</a:t>
+              <a:t>13/12/2021</a:t>
             </a:fld>
             <a:endParaRPr lang="pt-BR"/>
           </a:p>
@@ -2679,7 +2679,7 @@
           <a:p>
             <a:fld id="{375B8144-D52B-439C-834A-619B4A0ACDB6}" type="datetimeFigureOut">
               <a:rPr lang="pt-BR" smtClean="0"/>
-              <a:t>10/12/2021</a:t>
+              <a:t>13/12/2021</a:t>
             </a:fld>
             <a:endParaRPr lang="pt-BR"/>
           </a:p>
@@ -2920,7 +2920,7 @@
           <a:p>
             <a:fld id="{375B8144-D52B-439C-834A-619B4A0ACDB6}" type="datetimeFigureOut">
               <a:rPr lang="pt-BR" smtClean="0"/>
-              <a:t>10/12/2021</a:t>
+              <a:t>13/12/2021</a:t>
             </a:fld>
             <a:endParaRPr lang="pt-BR"/>
           </a:p>
@@ -7999,7 +7999,17 @@
                 <a:effectLst/>
                 <a:latin typeface="SFMono-Regular"/>
               </a:rPr>
-              <a:t>-contexto</a:t>
+              <a:t>-</a:t>
+            </a:r>
+            <a:r>
+              <a:rPr lang="pt-BR" b="0" i="0" dirty="0" err="1">
+                <a:solidFill>
+                  <a:srgbClr val="393A34"/>
+                </a:solidFill>
+                <a:effectLst/>
+                <a:latin typeface="SFMono-Regular"/>
+              </a:rPr>
+              <a:t>context</a:t>
             </a:r>
             <a:br>
               <a:rPr lang="pt-BR" b="0" i="0" dirty="0">
